--- a/DIP_Phase_1_Lab_Manuals/Installation of Arduino Pro Micro Software.pptx
+++ b/DIP_Phase_1_Lab_Manuals/Installation of Arduino Pro Micro Software.pptx
@@ -112,6 +112,11 @@
       </a:defRPr>
     </a:lvl9pPr>
   </p:defaultTextStyle>
+  <p:extLst>
+    <p:ext uri="{EFAFB233-063F-42B5-8137-9DF3F51BA10A}">
+      <p15:sldGuideLst xmlns:p15="http://schemas.microsoft.com/office/powerpoint/2012/main"/>
+    </p:ext>
+  </p:extLst>
 </p:presentation>
 </file>
 
@@ -266,7 +271,7 @@
           <a:p>
             <a:fld id="{6044585F-BB32-4262-BF9B-5418C4B3E7E5}" type="datetimeFigureOut">
               <a:rPr lang="en-US" smtClean="0"/>
-              <a:t>08-Jul-17</a:t>
+              <a:t>19-Jul-17</a:t>
             </a:fld>
             <a:endParaRPr lang="en-US"/>
           </a:p>
@@ -464,7 +469,7 @@
           <a:p>
             <a:fld id="{6044585F-BB32-4262-BF9B-5418C4B3E7E5}" type="datetimeFigureOut">
               <a:rPr lang="en-US" smtClean="0"/>
-              <a:t>08-Jul-17</a:t>
+              <a:t>19-Jul-17</a:t>
             </a:fld>
             <a:endParaRPr lang="en-US"/>
           </a:p>
@@ -672,7 +677,7 @@
           <a:p>
             <a:fld id="{6044585F-BB32-4262-BF9B-5418C4B3E7E5}" type="datetimeFigureOut">
               <a:rPr lang="en-US" smtClean="0"/>
-              <a:t>08-Jul-17</a:t>
+              <a:t>19-Jul-17</a:t>
             </a:fld>
             <a:endParaRPr lang="en-US"/>
           </a:p>
@@ -870,7 +875,7 @@
           <a:p>
             <a:fld id="{6044585F-BB32-4262-BF9B-5418C4B3E7E5}" type="datetimeFigureOut">
               <a:rPr lang="en-US" smtClean="0"/>
-              <a:t>08-Jul-17</a:t>
+              <a:t>19-Jul-17</a:t>
             </a:fld>
             <a:endParaRPr lang="en-US"/>
           </a:p>
@@ -1145,7 +1150,7 @@
           <a:p>
             <a:fld id="{6044585F-BB32-4262-BF9B-5418C4B3E7E5}" type="datetimeFigureOut">
               <a:rPr lang="en-US" smtClean="0"/>
-              <a:t>08-Jul-17</a:t>
+              <a:t>19-Jul-17</a:t>
             </a:fld>
             <a:endParaRPr lang="en-US"/>
           </a:p>
@@ -1410,7 +1415,7 @@
           <a:p>
             <a:fld id="{6044585F-BB32-4262-BF9B-5418C4B3E7E5}" type="datetimeFigureOut">
               <a:rPr lang="en-US" smtClean="0"/>
-              <a:t>08-Jul-17</a:t>
+              <a:t>19-Jul-17</a:t>
             </a:fld>
             <a:endParaRPr lang="en-US"/>
           </a:p>
@@ -1822,7 +1827,7 @@
           <a:p>
             <a:fld id="{6044585F-BB32-4262-BF9B-5418C4B3E7E5}" type="datetimeFigureOut">
               <a:rPr lang="en-US" smtClean="0"/>
-              <a:t>08-Jul-17</a:t>
+              <a:t>19-Jul-17</a:t>
             </a:fld>
             <a:endParaRPr lang="en-US"/>
           </a:p>
@@ -1963,7 +1968,7 @@
           <a:p>
             <a:fld id="{6044585F-BB32-4262-BF9B-5418C4B3E7E5}" type="datetimeFigureOut">
               <a:rPr lang="en-US" smtClean="0"/>
-              <a:t>08-Jul-17</a:t>
+              <a:t>19-Jul-17</a:t>
             </a:fld>
             <a:endParaRPr lang="en-US"/>
           </a:p>
@@ -2076,7 +2081,7 @@
           <a:p>
             <a:fld id="{6044585F-BB32-4262-BF9B-5418C4B3E7E5}" type="datetimeFigureOut">
               <a:rPr lang="en-US" smtClean="0"/>
-              <a:t>08-Jul-17</a:t>
+              <a:t>19-Jul-17</a:t>
             </a:fld>
             <a:endParaRPr lang="en-US"/>
           </a:p>
@@ -2387,7 +2392,7 @@
           <a:p>
             <a:fld id="{6044585F-BB32-4262-BF9B-5418C4B3E7E5}" type="datetimeFigureOut">
               <a:rPr lang="en-US" smtClean="0"/>
-              <a:t>08-Jul-17</a:t>
+              <a:t>19-Jul-17</a:t>
             </a:fld>
             <a:endParaRPr lang="en-US"/>
           </a:p>
@@ -2675,7 +2680,7 @@
           <a:p>
             <a:fld id="{6044585F-BB32-4262-BF9B-5418C4B3E7E5}" type="datetimeFigureOut">
               <a:rPr lang="en-US" smtClean="0"/>
-              <a:t>08-Jul-17</a:t>
+              <a:t>19-Jul-17</a:t>
             </a:fld>
             <a:endParaRPr lang="en-US"/>
           </a:p>
@@ -2916,7 +2921,7 @@
           <a:p>
             <a:fld id="{6044585F-BB32-4262-BF9B-5418C4B3E7E5}" type="datetimeFigureOut">
               <a:rPr lang="en-US" smtClean="0"/>
-              <a:t>08-Jul-17</a:t>
+              <a:t>19-Jul-17</a:t>
             </a:fld>
             <a:endParaRPr lang="en-US"/>
           </a:p>
@@ -5499,7 +5504,7 @@
                   <a:schemeClr val="bg1"/>
                 </a:solidFill>
               </a:rPr>
-              <a:t>The Arduino should verify, compile and upload the blank program into your Arduino Pro Micro </a:t>
+              <a:t>The Arduino should verify and upload the blank program into your Arduino Pro Micro </a:t>
             </a:r>
             <a:r>
               <a:rPr lang="en-US" sz="1800" dirty="0">
@@ -5520,7 +5525,7 @@
                   <a:srgbClr val="FF0000"/>
                 </a:solidFill>
               </a:rPr>
-              <a:t>If there is an issue, please refer to any of the lab helpers for help</a:t>
+              <a:t>If you faced any problem, please refer to the lab helpers for help</a:t>
             </a:r>
           </a:p>
         </p:txBody>
@@ -5547,8 +5552,8 @@
         </p:blipFill>
         <p:spPr>
           <a:xfrm>
-            <a:off x="4771201" y="69012"/>
-            <a:ext cx="6529226" cy="4195314"/>
+            <a:off x="4687864" y="1036609"/>
+            <a:ext cx="7446626" cy="4784784"/>
           </a:xfrm>
           <a:prstGeom prst="rect">
             <a:avLst/>

--- a/DIP_Phase_1_Lab_Manuals/Installation of Arduino Pro Micro Software.pptx
+++ b/DIP_Phase_1_Lab_Manuals/Installation of Arduino Pro Micro Software.pptx
@@ -7,12 +7,12 @@
   <p:sldIdLst>
     <p:sldId id="256" r:id="rId2"/>
     <p:sldId id="257" r:id="rId3"/>
-    <p:sldId id="259" r:id="rId4"/>
-    <p:sldId id="260" r:id="rId5"/>
-    <p:sldId id="258" r:id="rId6"/>
-    <p:sldId id="261" r:id="rId7"/>
-    <p:sldId id="262" r:id="rId8"/>
-    <p:sldId id="263" r:id="rId9"/>
+    <p:sldId id="258" r:id="rId4"/>
+    <p:sldId id="261" r:id="rId5"/>
+    <p:sldId id="262" r:id="rId6"/>
+    <p:sldId id="263" r:id="rId7"/>
+    <p:sldId id="259" r:id="rId8"/>
+    <p:sldId id="260" r:id="rId9"/>
     <p:sldId id="264" r:id="rId10"/>
   </p:sldIdLst>
   <p:sldSz cx="12192000" cy="6858000"/>
@@ -271,7 +271,7 @@
           <a:p>
             <a:fld id="{6044585F-BB32-4262-BF9B-5418C4B3E7E5}" type="datetimeFigureOut">
               <a:rPr lang="en-US" smtClean="0"/>
-              <a:t>19-Jul-17</a:t>
+              <a:t>24-Jul-17</a:t>
             </a:fld>
             <a:endParaRPr lang="en-US"/>
           </a:p>
@@ -469,7 +469,7 @@
           <a:p>
             <a:fld id="{6044585F-BB32-4262-BF9B-5418C4B3E7E5}" type="datetimeFigureOut">
               <a:rPr lang="en-US" smtClean="0"/>
-              <a:t>19-Jul-17</a:t>
+              <a:t>24-Jul-17</a:t>
             </a:fld>
             <a:endParaRPr lang="en-US"/>
           </a:p>
@@ -677,7 +677,7 @@
           <a:p>
             <a:fld id="{6044585F-BB32-4262-BF9B-5418C4B3E7E5}" type="datetimeFigureOut">
               <a:rPr lang="en-US" smtClean="0"/>
-              <a:t>19-Jul-17</a:t>
+              <a:t>24-Jul-17</a:t>
             </a:fld>
             <a:endParaRPr lang="en-US"/>
           </a:p>
@@ -875,7 +875,7 @@
           <a:p>
             <a:fld id="{6044585F-BB32-4262-BF9B-5418C4B3E7E5}" type="datetimeFigureOut">
               <a:rPr lang="en-US" smtClean="0"/>
-              <a:t>19-Jul-17</a:t>
+              <a:t>24-Jul-17</a:t>
             </a:fld>
             <a:endParaRPr lang="en-US"/>
           </a:p>
@@ -1150,7 +1150,7 @@
           <a:p>
             <a:fld id="{6044585F-BB32-4262-BF9B-5418C4B3E7E5}" type="datetimeFigureOut">
               <a:rPr lang="en-US" smtClean="0"/>
-              <a:t>19-Jul-17</a:t>
+              <a:t>24-Jul-17</a:t>
             </a:fld>
             <a:endParaRPr lang="en-US"/>
           </a:p>
@@ -1415,7 +1415,7 @@
           <a:p>
             <a:fld id="{6044585F-BB32-4262-BF9B-5418C4B3E7E5}" type="datetimeFigureOut">
               <a:rPr lang="en-US" smtClean="0"/>
-              <a:t>19-Jul-17</a:t>
+              <a:t>24-Jul-17</a:t>
             </a:fld>
             <a:endParaRPr lang="en-US"/>
           </a:p>
@@ -1827,7 +1827,7 @@
           <a:p>
             <a:fld id="{6044585F-BB32-4262-BF9B-5418C4B3E7E5}" type="datetimeFigureOut">
               <a:rPr lang="en-US" smtClean="0"/>
-              <a:t>19-Jul-17</a:t>
+              <a:t>24-Jul-17</a:t>
             </a:fld>
             <a:endParaRPr lang="en-US"/>
           </a:p>
@@ -1968,7 +1968,7 @@
           <a:p>
             <a:fld id="{6044585F-BB32-4262-BF9B-5418C4B3E7E5}" type="datetimeFigureOut">
               <a:rPr lang="en-US" smtClean="0"/>
-              <a:t>19-Jul-17</a:t>
+              <a:t>24-Jul-17</a:t>
             </a:fld>
             <a:endParaRPr lang="en-US"/>
           </a:p>
@@ -2081,7 +2081,7 @@
           <a:p>
             <a:fld id="{6044585F-BB32-4262-BF9B-5418C4B3E7E5}" type="datetimeFigureOut">
               <a:rPr lang="en-US" smtClean="0"/>
-              <a:t>19-Jul-17</a:t>
+              <a:t>24-Jul-17</a:t>
             </a:fld>
             <a:endParaRPr lang="en-US"/>
           </a:p>
@@ -2392,7 +2392,7 @@
           <a:p>
             <a:fld id="{6044585F-BB32-4262-BF9B-5418C4B3E7E5}" type="datetimeFigureOut">
               <a:rPr lang="en-US" smtClean="0"/>
-              <a:t>19-Jul-17</a:t>
+              <a:t>24-Jul-17</a:t>
             </a:fld>
             <a:endParaRPr lang="en-US"/>
           </a:p>
@@ -2680,7 +2680,7 @@
           <a:p>
             <a:fld id="{6044585F-BB32-4262-BF9B-5418C4B3E7E5}" type="datetimeFigureOut">
               <a:rPr lang="en-US" smtClean="0"/>
-              <a:t>19-Jul-17</a:t>
+              <a:t>24-Jul-17</a:t>
             </a:fld>
             <a:endParaRPr lang="en-US"/>
           </a:p>
@@ -2921,7 +2921,7 @@
           <a:p>
             <a:fld id="{6044585F-BB32-4262-BF9B-5418C4B3E7E5}" type="datetimeFigureOut">
               <a:rPr lang="en-US" smtClean="0"/>
-              <a:t>19-Jul-17</a:t>
+              <a:t>24-Jul-17</a:t>
             </a:fld>
             <a:endParaRPr lang="en-US"/>
           </a:p>
@@ -3743,147 +3743,12 @@
           </a:p>
         </p:txBody>
       </p:sp>
-      <p:sp>
-        <p:nvSpPr>
-          <p:cNvPr id="2" name="Title 1">
-            <a:extLst>
-              <a:ext uri="{FF2B5EF4-FFF2-40B4-BE49-F238E27FC236}">
-                <a16:creationId xmlns:a16="http://schemas.microsoft.com/office/drawing/2014/main" id="{5B258F90-3B72-49FE-BACC-65E9B753E2D8}"/>
-              </a:ext>
-            </a:extLst>
-          </p:cNvPr>
-          <p:cNvSpPr>
-            <a:spLocks noGrp="1"/>
-          </p:cNvSpPr>
-          <p:nvPr>
-            <p:ph type="title"/>
-          </p:nvPr>
-        </p:nvSpPr>
-        <p:spPr>
-          <a:xfrm>
-            <a:off x="648929" y="629266"/>
-            <a:ext cx="3667039" cy="1676603"/>
-          </a:xfrm>
-        </p:spPr>
-        <p:txBody>
-          <a:bodyPr>
-            <a:normAutofit/>
-          </a:bodyPr>
-          <a:lstStyle/>
-          <a:p>
-            <a:r>
-              <a:rPr lang="en-US" sz="3600" dirty="0">
-                <a:solidFill>
-                  <a:schemeClr val="bg1"/>
-                </a:solidFill>
-              </a:rPr>
-              <a:t>Step 2:</a:t>
-            </a:r>
-          </a:p>
-        </p:txBody>
-      </p:sp>
-      <p:sp>
-        <p:nvSpPr>
-          <p:cNvPr id="3" name="Content Placeholder 2">
-            <a:extLst>
-              <a:ext uri="{FF2B5EF4-FFF2-40B4-BE49-F238E27FC236}">
-                <a16:creationId xmlns:a16="http://schemas.microsoft.com/office/drawing/2014/main" id="{80588ED6-33AA-4545-BD7E-1F9897A6C6F9}"/>
-              </a:ext>
-            </a:extLst>
-          </p:cNvPr>
-          <p:cNvSpPr>
-            <a:spLocks noGrp="1"/>
-          </p:cNvSpPr>
-          <p:nvPr>
-            <p:ph idx="1"/>
-          </p:nvPr>
-        </p:nvSpPr>
-        <p:spPr>
-          <a:xfrm>
-            <a:off x="648931" y="2438401"/>
-            <a:ext cx="3667036" cy="3779520"/>
-          </a:xfrm>
-        </p:spPr>
-        <p:txBody>
-          <a:bodyPr>
-            <a:normAutofit/>
-          </a:bodyPr>
-          <a:lstStyle/>
-          <a:p>
-            <a:pPr marL="0" indent="0">
-              <a:buNone/>
-            </a:pPr>
-            <a:r>
-              <a:rPr lang="en-US" sz="1800" dirty="0">
-                <a:solidFill>
-                  <a:schemeClr val="bg1"/>
-                </a:solidFill>
-              </a:rPr>
-              <a:t>Connect the Arduino Pro Micro board to your laptop via a USB cable</a:t>
-            </a:r>
-          </a:p>
-          <a:p>
-            <a:pPr marL="0" indent="0">
-              <a:buNone/>
-            </a:pPr>
-            <a:r>
-              <a:rPr lang="en-US" sz="1800" dirty="0">
-                <a:solidFill>
-                  <a:schemeClr val="bg1"/>
-                </a:solidFill>
-              </a:rPr>
-              <a:t>Go to Device Manager</a:t>
-            </a:r>
-          </a:p>
-          <a:p>
-            <a:pPr lvl="1">
-              <a:buFont typeface="Wingdings" panose="05000000000000000000" pitchFamily="2" charset="2"/>
-              <a:buChar char="Ø"/>
-            </a:pPr>
-            <a:r>
-              <a:rPr lang="en-US" sz="1400" dirty="0">
-                <a:solidFill>
-                  <a:schemeClr val="bg1"/>
-                </a:solidFill>
-              </a:rPr>
-              <a:t>Under Ports (COM &amp; LPT)</a:t>
-            </a:r>
-          </a:p>
-          <a:p>
-            <a:pPr lvl="2">
-              <a:buFont typeface="Wingdings" panose="05000000000000000000" pitchFamily="2" charset="2"/>
-              <a:buChar char="Ø"/>
-            </a:pPr>
-            <a:r>
-              <a:rPr lang="en-US" sz="1000" dirty="0">
-                <a:solidFill>
-                  <a:schemeClr val="bg1"/>
-                </a:solidFill>
-              </a:rPr>
-              <a:t>USB Serial Device (COM “”)</a:t>
-            </a:r>
-          </a:p>
-          <a:p>
-            <a:pPr marL="0" indent="0">
-              <a:buNone/>
-            </a:pPr>
-            <a:r>
-              <a:rPr lang="en-US" sz="1800" dirty="0">
-                <a:solidFill>
-                  <a:schemeClr val="bg1"/>
-                </a:solidFill>
-              </a:rPr>
-              <a:t>Right-Click on it and select “Update Driver Software…”</a:t>
-            </a:r>
-          </a:p>
-        </p:txBody>
-      </p:sp>
       <p:pic>
         <p:nvPicPr>
-          <p:cNvPr id="5" name="Picture 4">
-            <a:extLst>
-              <a:ext uri="{FF2B5EF4-FFF2-40B4-BE49-F238E27FC236}">
-                <a16:creationId xmlns:a16="http://schemas.microsoft.com/office/drawing/2014/main" id="{72060356-4644-4461-A040-EBD7B5FA5DD0}"/>
+          <p:cNvPr id="4" name="Picture 3" descr="A screenshot of a cell phone&#10;&#10;Description generated with very high confidence">
+            <a:extLst>
+              <a:ext uri="{FF2B5EF4-FFF2-40B4-BE49-F238E27FC236}">
+                <a16:creationId xmlns:a16="http://schemas.microsoft.com/office/drawing/2014/main" id="{4A419529-9852-40EC-9C9B-72E464990113}"/>
               </a:ext>
             </a:extLst>
           </p:cNvPr>
@@ -3892,28 +3757,130 @@
           </p:cNvPicPr>
           <p:nvPr/>
         </p:nvPicPr>
-        <p:blipFill>
+        <p:blipFill rotWithShape="1">
           <a:blip r:embed="rId2"/>
-          <a:stretch>
-            <a:fillRect/>
-          </a:stretch>
+          <a:srcRect t="14300" r="1" b="19046"/>
+          <a:stretch/>
         </p:blipFill>
         <p:spPr>
           <a:xfrm>
-            <a:off x="4881254" y="1236453"/>
-            <a:ext cx="2708690" cy="4439728"/>
+            <a:off x="5779698" y="80515"/>
+            <a:ext cx="3151389" cy="2800707"/>
           </a:xfrm>
           <a:prstGeom prst="rect">
             <a:avLst/>
           </a:prstGeom>
+          <a:effectLst/>
         </p:spPr>
       </p:pic>
+      <p:sp>
+        <p:nvSpPr>
+          <p:cNvPr id="2" name="Title 1">
+            <a:extLst>
+              <a:ext uri="{FF2B5EF4-FFF2-40B4-BE49-F238E27FC236}">
+                <a16:creationId xmlns:a16="http://schemas.microsoft.com/office/drawing/2014/main" id="{45363489-CA02-4A83-81C3-ACA2BF870187}"/>
+              </a:ext>
+            </a:extLst>
+          </p:cNvPr>
+          <p:cNvSpPr>
+            <a:spLocks noGrp="1"/>
+          </p:cNvSpPr>
+          <p:nvPr>
+            <p:ph type="title"/>
+          </p:nvPr>
+        </p:nvSpPr>
+        <p:spPr>
+          <a:xfrm>
+            <a:off x="648929" y="629266"/>
+            <a:ext cx="3667039" cy="1676603"/>
+          </a:xfrm>
+        </p:spPr>
+        <p:txBody>
+          <a:bodyPr>
+            <a:normAutofit/>
+          </a:bodyPr>
+          <a:lstStyle/>
+          <a:p>
+            <a:r>
+              <a:rPr lang="en-US" sz="3600" dirty="0">
+                <a:solidFill>
+                  <a:schemeClr val="bg1"/>
+                </a:solidFill>
+              </a:rPr>
+              <a:t>Step 2:</a:t>
+            </a:r>
+          </a:p>
+        </p:txBody>
+      </p:sp>
+      <p:sp>
+        <p:nvSpPr>
+          <p:cNvPr id="3" name="Content Placeholder 2">
+            <a:extLst>
+              <a:ext uri="{FF2B5EF4-FFF2-40B4-BE49-F238E27FC236}">
+                <a16:creationId xmlns:a16="http://schemas.microsoft.com/office/drawing/2014/main" id="{87E19B23-DF63-430D-801B-1B4705D1747C}"/>
+              </a:ext>
+            </a:extLst>
+          </p:cNvPr>
+          <p:cNvSpPr>
+            <a:spLocks noGrp="1"/>
+          </p:cNvSpPr>
+          <p:nvPr>
+            <p:ph idx="1"/>
+          </p:nvPr>
+        </p:nvSpPr>
+        <p:spPr>
+          <a:xfrm>
+            <a:off x="648931" y="2438401"/>
+            <a:ext cx="3667036" cy="3779520"/>
+          </a:xfrm>
+        </p:spPr>
+        <p:txBody>
+          <a:bodyPr>
+            <a:normAutofit/>
+          </a:bodyPr>
+          <a:lstStyle/>
+          <a:p>
+            <a:pPr marL="0" indent="0">
+              <a:buNone/>
+            </a:pPr>
+            <a:r>
+              <a:rPr lang="en-US" sz="1800" dirty="0">
+                <a:solidFill>
+                  <a:schemeClr val="bg1"/>
+                </a:solidFill>
+              </a:rPr>
+              <a:t>Open the Arduino IDE by clicking on the Arduino Icon </a:t>
+            </a:r>
+            <a:r>
+              <a:rPr lang="en-US" sz="1800" dirty="0">
+                <a:solidFill>
+                  <a:srgbClr val="FF0000"/>
+                </a:solidFill>
+              </a:rPr>
+              <a:t>(If you are unsure on where to find the icon, use your laptop search function)</a:t>
+            </a:r>
+          </a:p>
+          <a:p>
+            <a:pPr marL="0" indent="0">
+              <a:buNone/>
+            </a:pPr>
+            <a:r>
+              <a:rPr lang="en-US" sz="1800" dirty="0">
+                <a:solidFill>
+                  <a:schemeClr val="bg1"/>
+                </a:solidFill>
+              </a:rPr>
+              <a:t>The Arduino IDE platform should look like this</a:t>
+            </a:r>
+          </a:p>
+        </p:txBody>
+      </p:sp>
       <p:pic>
         <p:nvPicPr>
-          <p:cNvPr id="6" name="Picture 5">
-            <a:extLst>
-              <a:ext uri="{FF2B5EF4-FFF2-40B4-BE49-F238E27FC236}">
-                <a16:creationId xmlns:a16="http://schemas.microsoft.com/office/drawing/2014/main" id="{285D4D52-6E64-44DD-8E04-577BBD76353D}"/>
+          <p:cNvPr id="5" name="Picture 4">
+            <a:extLst>
+              <a:ext uri="{FF2B5EF4-FFF2-40B4-BE49-F238E27FC236}">
+                <a16:creationId xmlns:a16="http://schemas.microsoft.com/office/drawing/2014/main" id="{73D887AB-2449-49D9-863B-99F7A803CF4C}"/>
               </a:ext>
             </a:extLst>
           </p:cNvPr>
@@ -3930,8 +3897,8 @@
         </p:blipFill>
         <p:spPr>
           <a:xfrm>
-            <a:off x="8370863" y="1497967"/>
-            <a:ext cx="3326303" cy="4178214"/>
+            <a:off x="5477657" y="3283575"/>
+            <a:ext cx="5182591" cy="3243876"/>
           </a:xfrm>
           <a:prstGeom prst="rect">
             <a:avLst/>
@@ -3941,7 +3908,7 @@
     </p:spTree>
     <p:extLst>
       <p:ext uri="{BB962C8B-B14F-4D97-AF65-F5344CB8AC3E}">
-        <p14:creationId xmlns:p14="http://schemas.microsoft.com/office/powerpoint/2010/main" val="2813135787"/>
+        <p14:creationId xmlns:p14="http://schemas.microsoft.com/office/powerpoint/2010/main" val="1491184693"/>
       </p:ext>
     </p:extLst>
   </p:cSld>
@@ -4034,7 +4001,7 @@
           <p:cNvPr id="4" name="Picture 3">
             <a:extLst>
               <a:ext uri="{FF2B5EF4-FFF2-40B4-BE49-F238E27FC236}">
-                <a16:creationId xmlns:a16="http://schemas.microsoft.com/office/drawing/2014/main" id="{22A0378C-CC32-4F92-B70A-A72B3A4BA48A}"/>
+                <a16:creationId xmlns:a16="http://schemas.microsoft.com/office/drawing/2014/main" id="{3344C083-49EB-4657-8B4E-B403373829E1}"/>
               </a:ext>
             </a:extLst>
           </p:cNvPr>
@@ -4045,13 +4012,13 @@
         </p:nvPicPr>
         <p:blipFill rotWithShape="1">
           <a:blip r:embed="rId2"/>
-          <a:srcRect r="24893" b="1"/>
+          <a:srcRect l="12790" r="17165"/>
           <a:stretch/>
         </p:blipFill>
         <p:spPr>
           <a:xfrm>
-            <a:off x="4636008" y="2"/>
-            <a:ext cx="3628201" cy="3224460"/>
+            <a:off x="5276088" y="640082"/>
+            <a:ext cx="6276250" cy="5577838"/>
           </a:xfrm>
           <a:prstGeom prst="rect">
             <a:avLst/>
@@ -4064,7 +4031,7 @@
           <p:cNvPr id="2" name="Title 1">
             <a:extLst>
               <a:ext uri="{FF2B5EF4-FFF2-40B4-BE49-F238E27FC236}">
-                <a16:creationId xmlns:a16="http://schemas.microsoft.com/office/drawing/2014/main" id="{EB45C345-6DBB-485A-9037-6CF933A82F14}"/>
+                <a16:creationId xmlns:a16="http://schemas.microsoft.com/office/drawing/2014/main" id="{31C239A7-EB5D-410E-85A2-CDC4D1037D8F}"/>
               </a:ext>
             </a:extLst>
           </p:cNvPr>
@@ -4103,7 +4070,7 @@
           <p:cNvPr id="3" name="Content Placeholder 2">
             <a:extLst>
               <a:ext uri="{FF2B5EF4-FFF2-40B4-BE49-F238E27FC236}">
-                <a16:creationId xmlns:a16="http://schemas.microsoft.com/office/drawing/2014/main" id="{FB761985-5D24-4BAA-819F-DFA56143A79D}"/>
+                <a16:creationId xmlns:a16="http://schemas.microsoft.com/office/drawing/2014/main" id="{F996474D-9CD1-4735-8347-D2EBD5A5987C}"/>
               </a:ext>
             </a:extLst>
           </p:cNvPr>
@@ -4135,7 +4102,7 @@
                   <a:schemeClr val="bg1"/>
                 </a:solidFill>
               </a:rPr>
-              <a:t>Select “Browse my computer for driver software”</a:t>
+              <a:t>On the top left hand corner of the window, click on File&gt;Preferences</a:t>
             </a:r>
           </a:p>
           <a:p>
@@ -4148,101 +4115,77 @@
                   <a:schemeClr val="bg1"/>
                 </a:solidFill>
               </a:rPr>
-              <a:t>Click on “Browse” and navigate to the drivers folder of your Arduino folder</a:t>
-            </a:r>
-          </a:p>
-          <a:p>
-            <a:pPr marL="0" indent="0">
-              <a:buNone/>
+              <a:t>Under “Additional Boards Manager URLs:”, replace the default </a:t>
+            </a:r>
+            <a:r>
+              <a:rPr lang="en-US" sz="1800" dirty="0" err="1">
+                <a:solidFill>
+                  <a:schemeClr val="bg1"/>
+                </a:solidFill>
+              </a:rPr>
+              <a:t>url</a:t>
+            </a:r>
+            <a:r>
+              <a:rPr lang="en-US" sz="1800" dirty="0">
+                <a:solidFill>
+                  <a:schemeClr val="bg1"/>
+                </a:solidFill>
+              </a:rPr>
+              <a:t> with</a:t>
+            </a:r>
+          </a:p>
+          <a:p>
+            <a:pPr lvl="1">
+              <a:buFont typeface="Wingdings" panose="05000000000000000000" pitchFamily="2" charset="2"/>
+              <a:buChar char="Ø"/>
             </a:pPr>
             <a:r>
-              <a:rPr lang="en-US" sz="1800" dirty="0">
-                <a:solidFill>
-                  <a:schemeClr val="bg1"/>
-                </a:solidFill>
+              <a:rPr kumimoji="0" lang="en-US" altLang="en-US" sz="1400" b="0" i="0" u="none" strike="noStrike" cap="none" normalizeH="0" baseline="0" dirty="0">
+                <a:ln>
+                  <a:noFill/>
+                </a:ln>
+                <a:solidFill>
+                  <a:srgbClr val="333333"/>
+                </a:solidFill>
+                <a:effectLst/>
+                <a:highlight>
+                  <a:srgbClr val="FFFF00"/>
+                </a:highlight>
+                <a:latin typeface="Consolas" panose="020B0609020204030204" pitchFamily="49" charset="0"/>
               </a:rPr>
-              <a:t>Proceed on with the installation</a:t>
-            </a:r>
-          </a:p>
-          <a:p>
-            <a:pPr marL="0" indent="0">
-              <a:buNone/>
+              <a:t>https://raw.githubusercontent.com/sparkfun/Arduino_Boards/master/IDE_Board_Manager/package_sparkfun_index.json</a:t>
+            </a:r>
+            <a:endParaRPr kumimoji="0" lang="en-US" altLang="en-US" sz="3600" b="0" i="0" u="none" strike="noStrike" cap="none" normalizeH="0" baseline="0" dirty="0">
+              <a:ln>
+                <a:noFill/>
+              </a:ln>
+              <a:solidFill>
+                <a:schemeClr val="tx1"/>
+              </a:solidFill>
+              <a:effectLst/>
+              <a:highlight>
+                <a:srgbClr val="FFFF00"/>
+              </a:highlight>
+              <a:latin typeface="Arial" panose="020B0604020202020204" pitchFamily="34" charset="0"/>
+            </a:endParaRPr>
+          </a:p>
+          <a:p>
+            <a:pPr lvl="1">
+              <a:buFont typeface="Wingdings" panose="05000000000000000000" pitchFamily="2" charset="2"/>
+              <a:buChar char="Ø"/>
             </a:pPr>
-            <a:r>
-              <a:rPr lang="en-US" sz="1800" dirty="0">
-                <a:solidFill>
-                  <a:schemeClr val="bg1"/>
-                </a:solidFill>
-              </a:rPr>
-              <a:t>Once it is completed, your COM port should be recognized as Arduino in the device Manager</a:t>
-            </a:r>
-          </a:p>
-        </p:txBody>
-      </p:sp>
-      <p:pic>
-        <p:nvPicPr>
-          <p:cNvPr id="5" name="Picture 4">
-            <a:extLst>
-              <a:ext uri="{FF2B5EF4-FFF2-40B4-BE49-F238E27FC236}">
-                <a16:creationId xmlns:a16="http://schemas.microsoft.com/office/drawing/2014/main" id="{A5AC4F66-2B4F-46CC-A9B4-45C62BDDD046}"/>
-              </a:ext>
-            </a:extLst>
-          </p:cNvPr>
-          <p:cNvPicPr>
-            <a:picLocks noChangeAspect="1"/>
-          </p:cNvPicPr>
-          <p:nvPr/>
-        </p:nvPicPr>
-        <p:blipFill>
-          <a:blip r:embed="rId3"/>
-          <a:stretch>
-            <a:fillRect/>
-          </a:stretch>
-        </p:blipFill>
-        <p:spPr>
-          <a:xfrm>
-            <a:off x="8584249" y="2"/>
-            <a:ext cx="3468854" cy="3468854"/>
-          </a:xfrm>
-          <a:prstGeom prst="rect">
-            <a:avLst/>
-          </a:prstGeom>
-        </p:spPr>
-      </p:pic>
-      <p:pic>
-        <p:nvPicPr>
-          <p:cNvPr id="6" name="Picture 5">
-            <a:extLst>
-              <a:ext uri="{FF2B5EF4-FFF2-40B4-BE49-F238E27FC236}">
-                <a16:creationId xmlns:a16="http://schemas.microsoft.com/office/drawing/2014/main" id="{2DBEDB50-9BCF-45CF-AFE4-1F63DB05587D}"/>
-              </a:ext>
-            </a:extLst>
-          </p:cNvPr>
-          <p:cNvPicPr>
-            <a:picLocks noChangeAspect="1"/>
-          </p:cNvPicPr>
-          <p:nvPr/>
-        </p:nvPicPr>
-        <p:blipFill>
-          <a:blip r:embed="rId4"/>
-          <a:stretch>
-            <a:fillRect/>
-          </a:stretch>
-        </p:blipFill>
-        <p:spPr>
-          <a:xfrm>
-            <a:off x="6333250" y="3468856"/>
-            <a:ext cx="4501998" cy="3398282"/>
-          </a:xfrm>
-          <a:prstGeom prst="rect">
-            <a:avLst/>
-          </a:prstGeom>
-        </p:spPr>
-      </p:pic>
+            <a:endParaRPr lang="en-US" sz="1400" dirty="0">
+              <a:solidFill>
+                <a:schemeClr val="bg1"/>
+              </a:solidFill>
+            </a:endParaRPr>
+          </a:p>
+        </p:txBody>
+      </p:sp>
     </p:spTree>
     <p:extLst>
       <p:ext uri="{BB962C8B-B14F-4D97-AF65-F5344CB8AC3E}">
-        <p14:creationId xmlns:p14="http://schemas.microsoft.com/office/powerpoint/2010/main" val="4222154956"/>
+        <p14:creationId xmlns:p14="http://schemas.microsoft.com/office/powerpoint/2010/main" val="3726393220"/>
       </p:ext>
     </p:extLst>
   </p:cSld>
@@ -4330,12 +4273,138 @@
           </a:p>
         </p:txBody>
       </p:sp>
+      <p:sp>
+        <p:nvSpPr>
+          <p:cNvPr id="2" name="Title 1">
+            <a:extLst>
+              <a:ext uri="{FF2B5EF4-FFF2-40B4-BE49-F238E27FC236}">
+                <a16:creationId xmlns:a16="http://schemas.microsoft.com/office/drawing/2014/main" id="{7BBA7324-AC8A-4ED9-AB52-682BF8A0CFB4}"/>
+              </a:ext>
+            </a:extLst>
+          </p:cNvPr>
+          <p:cNvSpPr>
+            <a:spLocks noGrp="1"/>
+          </p:cNvSpPr>
+          <p:nvPr>
+            <p:ph type="title"/>
+          </p:nvPr>
+        </p:nvSpPr>
+        <p:spPr>
+          <a:xfrm>
+            <a:off x="648929" y="629266"/>
+            <a:ext cx="3667039" cy="1676603"/>
+          </a:xfrm>
+        </p:spPr>
+        <p:txBody>
+          <a:bodyPr>
+            <a:normAutofit/>
+          </a:bodyPr>
+          <a:lstStyle/>
+          <a:p>
+            <a:r>
+              <a:rPr lang="en-US" sz="3600" dirty="0">
+                <a:solidFill>
+                  <a:schemeClr val="bg1"/>
+                </a:solidFill>
+              </a:rPr>
+              <a:t>Step 4:</a:t>
+            </a:r>
+          </a:p>
+        </p:txBody>
+      </p:sp>
+      <p:sp>
+        <p:nvSpPr>
+          <p:cNvPr id="3" name="Content Placeholder 2">
+            <a:extLst>
+              <a:ext uri="{FF2B5EF4-FFF2-40B4-BE49-F238E27FC236}">
+                <a16:creationId xmlns:a16="http://schemas.microsoft.com/office/drawing/2014/main" id="{75CA5C7A-FC48-4232-8AF7-0B042A12FE92}"/>
+              </a:ext>
+            </a:extLst>
+          </p:cNvPr>
+          <p:cNvSpPr>
+            <a:spLocks noGrp="1"/>
+          </p:cNvSpPr>
+          <p:nvPr>
+            <p:ph idx="1"/>
+          </p:nvPr>
+        </p:nvSpPr>
+        <p:spPr>
+          <a:xfrm>
+            <a:off x="648931" y="2438401"/>
+            <a:ext cx="3667036" cy="3779520"/>
+          </a:xfrm>
+        </p:spPr>
+        <p:txBody>
+          <a:bodyPr>
+            <a:normAutofit/>
+          </a:bodyPr>
+          <a:lstStyle/>
+          <a:p>
+            <a:pPr marL="0" indent="0">
+              <a:buNone/>
+            </a:pPr>
+            <a:r>
+              <a:rPr lang="en-US" sz="1800" dirty="0">
+                <a:solidFill>
+                  <a:schemeClr val="bg1"/>
+                </a:solidFill>
+              </a:rPr>
+              <a:t>On the top left hand corner again, click on Tools&gt;Board:””&gt;Board Manager:…</a:t>
+            </a:r>
+          </a:p>
+          <a:p>
+            <a:pPr marL="0" indent="0">
+              <a:buNone/>
+            </a:pPr>
+            <a:r>
+              <a:rPr lang="en-US" sz="1800" dirty="0">
+                <a:solidFill>
+                  <a:schemeClr val="bg1"/>
+                </a:solidFill>
+              </a:rPr>
+              <a:t>In the Board Manager, search for “</a:t>
+            </a:r>
+            <a:r>
+              <a:rPr lang="en-US" sz="1800" dirty="0" err="1">
+                <a:solidFill>
+                  <a:schemeClr val="bg1"/>
+                </a:solidFill>
+              </a:rPr>
+              <a:t>Sparkfun</a:t>
+            </a:r>
+            <a:r>
+              <a:rPr lang="en-US" sz="1800" dirty="0">
+                <a:solidFill>
+                  <a:schemeClr val="bg1"/>
+                </a:solidFill>
+              </a:rPr>
+              <a:t>” and install the “</a:t>
+            </a:r>
+            <a:r>
+              <a:rPr lang="en-US" sz="1800" dirty="0" err="1">
+                <a:solidFill>
+                  <a:schemeClr val="bg1"/>
+                </a:solidFill>
+              </a:rPr>
+              <a:t>SparkFun</a:t>
+            </a:r>
+            <a:r>
+              <a:rPr lang="en-US" sz="1800" dirty="0">
+                <a:solidFill>
+                  <a:schemeClr val="bg1"/>
+                </a:solidFill>
+              </a:rPr>
+              <a:t> AVR Boards”</a:t>
+            </a:r>
+          </a:p>
+        </p:txBody>
+      </p:sp>
       <p:pic>
         <p:nvPicPr>
-          <p:cNvPr id="4" name="Picture 3" descr="A screenshot of a cell phone&#10;&#10;Description generated with very high confidence">
-            <a:extLst>
-              <a:ext uri="{FF2B5EF4-FFF2-40B4-BE49-F238E27FC236}">
-                <a16:creationId xmlns:a16="http://schemas.microsoft.com/office/drawing/2014/main" id="{4A419529-9852-40EC-9C9B-72E464990113}"/>
+          <p:cNvPr id="5" name="Picture 4">
+            <a:extLst>
+              <a:ext uri="{FF2B5EF4-FFF2-40B4-BE49-F238E27FC236}">
+                <a16:creationId xmlns:a16="http://schemas.microsoft.com/office/drawing/2014/main" id="{4379D831-FCC5-472D-B931-92A1755F0FFF}"/>
               </a:ext>
             </a:extLst>
           </p:cNvPr>
@@ -4344,130 +4413,28 @@
           </p:cNvPicPr>
           <p:nvPr/>
         </p:nvPicPr>
-        <p:blipFill rotWithShape="1">
+        <p:blipFill>
           <a:blip r:embed="rId2"/>
-          <a:srcRect t="14300" r="1" b="19046"/>
-          <a:stretch/>
+          <a:stretch>
+            <a:fillRect/>
+          </a:stretch>
         </p:blipFill>
         <p:spPr>
           <a:xfrm>
-            <a:off x="5779698" y="80515"/>
-            <a:ext cx="3151389" cy="2800707"/>
+            <a:off x="5551512" y="2"/>
+            <a:ext cx="5239807" cy="3199222"/>
           </a:xfrm>
           <a:prstGeom prst="rect">
             <a:avLst/>
           </a:prstGeom>
-          <a:effectLst/>
         </p:spPr>
       </p:pic>
-      <p:sp>
-        <p:nvSpPr>
-          <p:cNvPr id="2" name="Title 1">
-            <a:extLst>
-              <a:ext uri="{FF2B5EF4-FFF2-40B4-BE49-F238E27FC236}">
-                <a16:creationId xmlns:a16="http://schemas.microsoft.com/office/drawing/2014/main" id="{45363489-CA02-4A83-81C3-ACA2BF870187}"/>
-              </a:ext>
-            </a:extLst>
-          </p:cNvPr>
-          <p:cNvSpPr>
-            <a:spLocks noGrp="1"/>
-          </p:cNvSpPr>
-          <p:nvPr>
-            <p:ph type="title"/>
-          </p:nvPr>
-        </p:nvSpPr>
-        <p:spPr>
-          <a:xfrm>
-            <a:off x="648929" y="629266"/>
-            <a:ext cx="3667039" cy="1676603"/>
-          </a:xfrm>
-        </p:spPr>
-        <p:txBody>
-          <a:bodyPr>
-            <a:normAutofit/>
-          </a:bodyPr>
-          <a:lstStyle/>
-          <a:p>
-            <a:r>
-              <a:rPr lang="en-US" sz="3600" dirty="0">
-                <a:solidFill>
-                  <a:schemeClr val="bg1"/>
-                </a:solidFill>
-              </a:rPr>
-              <a:t>Step 4:</a:t>
-            </a:r>
-          </a:p>
-        </p:txBody>
-      </p:sp>
-      <p:sp>
-        <p:nvSpPr>
-          <p:cNvPr id="3" name="Content Placeholder 2">
-            <a:extLst>
-              <a:ext uri="{FF2B5EF4-FFF2-40B4-BE49-F238E27FC236}">
-                <a16:creationId xmlns:a16="http://schemas.microsoft.com/office/drawing/2014/main" id="{87E19B23-DF63-430D-801B-1B4705D1747C}"/>
-              </a:ext>
-            </a:extLst>
-          </p:cNvPr>
-          <p:cNvSpPr>
-            <a:spLocks noGrp="1"/>
-          </p:cNvSpPr>
-          <p:nvPr>
-            <p:ph idx="1"/>
-          </p:nvPr>
-        </p:nvSpPr>
-        <p:spPr>
-          <a:xfrm>
-            <a:off x="648931" y="2438401"/>
-            <a:ext cx="3667036" cy="3779520"/>
-          </a:xfrm>
-        </p:spPr>
-        <p:txBody>
-          <a:bodyPr>
-            <a:normAutofit/>
-          </a:bodyPr>
-          <a:lstStyle/>
-          <a:p>
-            <a:pPr marL="0" indent="0">
-              <a:buNone/>
-            </a:pPr>
-            <a:r>
-              <a:rPr lang="en-US" sz="1800" dirty="0">
-                <a:solidFill>
-                  <a:schemeClr val="bg1"/>
-                </a:solidFill>
-              </a:rPr>
-              <a:t>Open the Arduino IDE by clicking on the Arduino Icon </a:t>
-            </a:r>
-            <a:r>
-              <a:rPr lang="en-US" sz="1800" dirty="0">
-                <a:solidFill>
-                  <a:srgbClr val="FF0000"/>
-                </a:solidFill>
-              </a:rPr>
-              <a:t>(If you are unsure on where to find the icon, use your laptop search function)</a:t>
-            </a:r>
-          </a:p>
-          <a:p>
-            <a:pPr marL="0" indent="0">
-              <a:buNone/>
-            </a:pPr>
-            <a:r>
-              <a:rPr lang="en-US" sz="1800" dirty="0">
-                <a:solidFill>
-                  <a:schemeClr val="bg1"/>
-                </a:solidFill>
-              </a:rPr>
-              <a:t>The Arduino IDE platform should look like this</a:t>
-            </a:r>
-          </a:p>
-        </p:txBody>
-      </p:sp>
       <p:pic>
         <p:nvPicPr>
-          <p:cNvPr id="5" name="Picture 4">
-            <a:extLst>
-              <a:ext uri="{FF2B5EF4-FFF2-40B4-BE49-F238E27FC236}">
-                <a16:creationId xmlns:a16="http://schemas.microsoft.com/office/drawing/2014/main" id="{73D887AB-2449-49D9-863B-99F7A803CF4C}"/>
+          <p:cNvPr id="6" name="Picture 5">
+            <a:extLst>
+              <a:ext uri="{FF2B5EF4-FFF2-40B4-BE49-F238E27FC236}">
+                <a16:creationId xmlns:a16="http://schemas.microsoft.com/office/drawing/2014/main" id="{2C3A742E-3E47-4FC6-94E6-B1DF20DF5586}"/>
               </a:ext>
             </a:extLst>
           </p:cNvPr>
@@ -4484,8 +4451,8 @@
         </p:blipFill>
         <p:spPr>
           <a:xfrm>
-            <a:off x="5477657" y="3283575"/>
-            <a:ext cx="5182591" cy="3243876"/>
+            <a:off x="5551512" y="2990489"/>
+            <a:ext cx="6158145" cy="3566737"/>
           </a:xfrm>
           <a:prstGeom prst="rect">
             <a:avLst/>
@@ -4495,7 +4462,7 @@
     </p:spTree>
     <p:extLst>
       <p:ext uri="{BB962C8B-B14F-4D97-AF65-F5344CB8AC3E}">
-        <p14:creationId xmlns:p14="http://schemas.microsoft.com/office/powerpoint/2010/main" val="1491184693"/>
+        <p14:creationId xmlns:p14="http://schemas.microsoft.com/office/powerpoint/2010/main" val="2637347886"/>
       </p:ext>
     </p:extLst>
   </p:cSld>
@@ -4583,12 +4550,169 @@
           </a:p>
         </p:txBody>
       </p:sp>
+      <p:sp>
+        <p:nvSpPr>
+          <p:cNvPr id="2" name="Title 1">
+            <a:extLst>
+              <a:ext uri="{FF2B5EF4-FFF2-40B4-BE49-F238E27FC236}">
+                <a16:creationId xmlns:a16="http://schemas.microsoft.com/office/drawing/2014/main" id="{E22403C3-3356-4D60-B679-128BDF8E4B93}"/>
+              </a:ext>
+            </a:extLst>
+          </p:cNvPr>
+          <p:cNvSpPr>
+            <a:spLocks noGrp="1"/>
+          </p:cNvSpPr>
+          <p:nvPr>
+            <p:ph type="title"/>
+          </p:nvPr>
+        </p:nvSpPr>
+        <p:spPr>
+          <a:xfrm>
+            <a:off x="648929" y="629266"/>
+            <a:ext cx="3667039" cy="1676603"/>
+          </a:xfrm>
+        </p:spPr>
+        <p:txBody>
+          <a:bodyPr>
+            <a:normAutofit/>
+          </a:bodyPr>
+          <a:lstStyle/>
+          <a:p>
+            <a:r>
+              <a:rPr lang="en-US" sz="3600" dirty="0">
+                <a:solidFill>
+                  <a:schemeClr val="bg1"/>
+                </a:solidFill>
+              </a:rPr>
+              <a:t>Step 5:</a:t>
+            </a:r>
+          </a:p>
+        </p:txBody>
+      </p:sp>
+      <p:sp>
+        <p:nvSpPr>
+          <p:cNvPr id="3" name="Content Placeholder 2">
+            <a:extLst>
+              <a:ext uri="{FF2B5EF4-FFF2-40B4-BE49-F238E27FC236}">
+                <a16:creationId xmlns:a16="http://schemas.microsoft.com/office/drawing/2014/main" id="{EDEDB045-7A03-4E28-BB3E-EDDD891177AD}"/>
+              </a:ext>
+            </a:extLst>
+          </p:cNvPr>
+          <p:cNvSpPr>
+            <a:spLocks noGrp="1"/>
+          </p:cNvSpPr>
+          <p:nvPr>
+            <p:ph idx="1"/>
+          </p:nvPr>
+        </p:nvSpPr>
+        <p:spPr>
+          <a:xfrm>
+            <a:off x="648931" y="2438401"/>
+            <a:ext cx="3667036" cy="3779520"/>
+          </a:xfrm>
+        </p:spPr>
+        <p:txBody>
+          <a:bodyPr>
+            <a:normAutofit/>
+          </a:bodyPr>
+          <a:lstStyle/>
+          <a:p>
+            <a:pPr marL="0" indent="0">
+              <a:buNone/>
+            </a:pPr>
+            <a:r>
+              <a:rPr lang="en-US" sz="1800" dirty="0">
+                <a:solidFill>
+                  <a:schemeClr val="bg1"/>
+                </a:solidFill>
+              </a:rPr>
+              <a:t>Once you are done with the installation, return to Tools&gt;Board:”” and you should be able to select </a:t>
+            </a:r>
+            <a:r>
+              <a:rPr lang="en-US" sz="1800" dirty="0" err="1">
+                <a:solidFill>
+                  <a:schemeClr val="bg1"/>
+                </a:solidFill>
+              </a:rPr>
+              <a:t>SparkFun</a:t>
+            </a:r>
+            <a:r>
+              <a:rPr lang="en-US" sz="1800" dirty="0">
+                <a:solidFill>
+                  <a:schemeClr val="bg1"/>
+                </a:solidFill>
+              </a:rPr>
+              <a:t> Pro Micro as your Board</a:t>
+            </a:r>
+          </a:p>
+          <a:p>
+            <a:pPr marL="0" indent="0">
+              <a:buNone/>
+            </a:pPr>
+            <a:r>
+              <a:rPr lang="en-US" sz="1800" dirty="0">
+                <a:solidFill>
+                  <a:schemeClr val="bg1"/>
+                </a:solidFill>
+              </a:rPr>
+              <a:t>Under Processor:””, select ATmega32U4 (5V,16 </a:t>
+            </a:r>
+            <a:r>
+              <a:rPr lang="en-US" sz="1800" dirty="0" err="1">
+                <a:solidFill>
+                  <a:schemeClr val="bg1"/>
+                </a:solidFill>
+              </a:rPr>
+              <a:t>Mhz</a:t>
+            </a:r>
+            <a:r>
+              <a:rPr lang="en-US" sz="1800" dirty="0">
+                <a:solidFill>
+                  <a:schemeClr val="bg1"/>
+                </a:solidFill>
+              </a:rPr>
+              <a:t>)</a:t>
+            </a:r>
+          </a:p>
+          <a:p>
+            <a:pPr marL="0" indent="0">
+              <a:buNone/>
+            </a:pPr>
+            <a:r>
+              <a:rPr lang="en-US" sz="1800" dirty="0">
+                <a:solidFill>
+                  <a:schemeClr val="bg1"/>
+                </a:solidFill>
+              </a:rPr>
+              <a:t>Under Port, select the COM port that is recognized as Arduino. </a:t>
+            </a:r>
+            <a:r>
+              <a:rPr lang="en-US" sz="1800" dirty="0">
+                <a:solidFill>
+                  <a:srgbClr val="FF0000"/>
+                </a:solidFill>
+              </a:rPr>
+              <a:t>Note that this can only be done if your Arduino Pro Micro device is physically connected to your laptop via a USB cable</a:t>
+            </a:r>
+          </a:p>
+          <a:p>
+            <a:pPr marL="0" indent="0">
+              <a:buNone/>
+            </a:pPr>
+            <a:endParaRPr lang="en-US" sz="1800" dirty="0">
+              <a:solidFill>
+                <a:schemeClr val="bg1"/>
+              </a:solidFill>
+            </a:endParaRPr>
+          </a:p>
+        </p:txBody>
+      </p:sp>
       <p:pic>
         <p:nvPicPr>
-          <p:cNvPr id="4" name="Picture 3">
-            <a:extLst>
-              <a:ext uri="{FF2B5EF4-FFF2-40B4-BE49-F238E27FC236}">
-                <a16:creationId xmlns:a16="http://schemas.microsoft.com/office/drawing/2014/main" id="{3344C083-49EB-4657-8B4E-B403373829E1}"/>
+          <p:cNvPr id="6" name="Picture 5">
+            <a:extLst>
+              <a:ext uri="{FF2B5EF4-FFF2-40B4-BE49-F238E27FC236}">
+                <a16:creationId xmlns:a16="http://schemas.microsoft.com/office/drawing/2014/main" id="{D3F9DB0D-C279-44AB-A9ED-00489F8AEB8C}"/>
               </a:ext>
             </a:extLst>
           </p:cNvPr>
@@ -4597,182 +4721,26 @@
           </p:cNvPicPr>
           <p:nvPr/>
         </p:nvPicPr>
-        <p:blipFill rotWithShape="1">
+        <p:blipFill>
           <a:blip r:embed="rId2"/>
-          <a:srcRect l="12790" r="17165"/>
-          <a:stretch/>
+          <a:stretch>
+            <a:fillRect/>
+          </a:stretch>
         </p:blipFill>
         <p:spPr>
           <a:xfrm>
-            <a:off x="5276088" y="640082"/>
-            <a:ext cx="6276250" cy="5577838"/>
+            <a:off x="5141757" y="2"/>
+            <a:ext cx="5221030" cy="6858000"/>
           </a:xfrm>
           <a:prstGeom prst="rect">
             <a:avLst/>
           </a:prstGeom>
-          <a:effectLst/>
         </p:spPr>
       </p:pic>
-      <p:sp>
-        <p:nvSpPr>
-          <p:cNvPr id="2" name="Title 1">
-            <a:extLst>
-              <a:ext uri="{FF2B5EF4-FFF2-40B4-BE49-F238E27FC236}">
-                <a16:creationId xmlns:a16="http://schemas.microsoft.com/office/drawing/2014/main" id="{31C239A7-EB5D-410E-85A2-CDC4D1037D8F}"/>
-              </a:ext>
-            </a:extLst>
-          </p:cNvPr>
-          <p:cNvSpPr>
-            <a:spLocks noGrp="1"/>
-          </p:cNvSpPr>
-          <p:nvPr>
-            <p:ph type="title"/>
-          </p:nvPr>
-        </p:nvSpPr>
-        <p:spPr>
-          <a:xfrm>
-            <a:off x="648929" y="629266"/>
-            <a:ext cx="3667039" cy="1676603"/>
-          </a:xfrm>
-        </p:spPr>
-        <p:txBody>
-          <a:bodyPr>
-            <a:normAutofit/>
-          </a:bodyPr>
-          <a:lstStyle/>
-          <a:p>
-            <a:r>
-              <a:rPr lang="en-US" sz="3600" dirty="0">
-                <a:solidFill>
-                  <a:schemeClr val="bg1"/>
-                </a:solidFill>
-              </a:rPr>
-              <a:t>Step 5:</a:t>
-            </a:r>
-          </a:p>
-        </p:txBody>
-      </p:sp>
-      <p:sp>
-        <p:nvSpPr>
-          <p:cNvPr id="3" name="Content Placeholder 2">
-            <a:extLst>
-              <a:ext uri="{FF2B5EF4-FFF2-40B4-BE49-F238E27FC236}">
-                <a16:creationId xmlns:a16="http://schemas.microsoft.com/office/drawing/2014/main" id="{F996474D-9CD1-4735-8347-D2EBD5A5987C}"/>
-              </a:ext>
-            </a:extLst>
-          </p:cNvPr>
-          <p:cNvSpPr>
-            <a:spLocks noGrp="1"/>
-          </p:cNvSpPr>
-          <p:nvPr>
-            <p:ph idx="1"/>
-          </p:nvPr>
-        </p:nvSpPr>
-        <p:spPr>
-          <a:xfrm>
-            <a:off x="648931" y="2438401"/>
-            <a:ext cx="3667036" cy="3779520"/>
-          </a:xfrm>
-        </p:spPr>
-        <p:txBody>
-          <a:bodyPr>
-            <a:normAutofit/>
-          </a:bodyPr>
-          <a:lstStyle/>
-          <a:p>
-            <a:pPr marL="0" indent="0">
-              <a:buNone/>
-            </a:pPr>
-            <a:r>
-              <a:rPr lang="en-US" sz="1800" dirty="0">
-                <a:solidFill>
-                  <a:schemeClr val="bg1"/>
-                </a:solidFill>
-              </a:rPr>
-              <a:t>On the top left hand corner of the window, click on File&gt;Preferences</a:t>
-            </a:r>
-          </a:p>
-          <a:p>
-            <a:pPr marL="0" indent="0">
-              <a:buNone/>
-            </a:pPr>
-            <a:r>
-              <a:rPr lang="en-US" sz="1800" dirty="0">
-                <a:solidFill>
-                  <a:schemeClr val="bg1"/>
-                </a:solidFill>
-              </a:rPr>
-              <a:t>Under “Additional Boards Manager URLs:”, replace the default </a:t>
-            </a:r>
-            <a:r>
-              <a:rPr lang="en-US" sz="1800" dirty="0" err="1">
-                <a:solidFill>
-                  <a:schemeClr val="bg1"/>
-                </a:solidFill>
-              </a:rPr>
-              <a:t>url</a:t>
-            </a:r>
-            <a:r>
-              <a:rPr lang="en-US" sz="1800" dirty="0">
-                <a:solidFill>
-                  <a:schemeClr val="bg1"/>
-                </a:solidFill>
-              </a:rPr>
-              <a:t> with</a:t>
-            </a:r>
-          </a:p>
-          <a:p>
-            <a:pPr lvl="1">
-              <a:buFont typeface="Wingdings" panose="05000000000000000000" pitchFamily="2" charset="2"/>
-              <a:buChar char="Ø"/>
-            </a:pPr>
-            <a:r>
-              <a:rPr kumimoji="0" lang="en-US" altLang="en-US" sz="1400" b="0" i="0" u="none" strike="noStrike" cap="none" normalizeH="0" baseline="0" dirty="0">
-                <a:ln>
-                  <a:noFill/>
-                </a:ln>
-                <a:solidFill>
-                  <a:srgbClr val="333333"/>
-                </a:solidFill>
-                <a:effectLst/>
-                <a:highlight>
-                  <a:srgbClr val="FFFF00"/>
-                </a:highlight>
-                <a:latin typeface="Consolas" panose="020B0609020204030204" pitchFamily="49" charset="0"/>
-              </a:rPr>
-              <a:t>https://raw.githubusercontent.com/sparkfun/Arduino_Boards/master/IDE_Board_Manager/package_sparkfun_index.json</a:t>
-            </a:r>
-            <a:endParaRPr kumimoji="0" lang="en-US" altLang="en-US" sz="3600" b="0" i="0" u="none" strike="noStrike" cap="none" normalizeH="0" baseline="0" dirty="0">
-              <a:ln>
-                <a:noFill/>
-              </a:ln>
-              <a:solidFill>
-                <a:schemeClr val="tx1"/>
-              </a:solidFill>
-              <a:effectLst/>
-              <a:highlight>
-                <a:srgbClr val="FFFF00"/>
-              </a:highlight>
-              <a:latin typeface="Arial" panose="020B0604020202020204" pitchFamily="34" charset="0"/>
-            </a:endParaRPr>
-          </a:p>
-          <a:p>
-            <a:pPr lvl="1">
-              <a:buFont typeface="Wingdings" panose="05000000000000000000" pitchFamily="2" charset="2"/>
-              <a:buChar char="Ø"/>
-            </a:pPr>
-            <a:endParaRPr lang="en-US" sz="1400" dirty="0">
-              <a:solidFill>
-                <a:schemeClr val="bg1"/>
-              </a:solidFill>
-            </a:endParaRPr>
-          </a:p>
-        </p:txBody>
-      </p:sp>
     </p:spTree>
     <p:extLst>
       <p:ext uri="{BB962C8B-B14F-4D97-AF65-F5344CB8AC3E}">
-        <p14:creationId xmlns:p14="http://schemas.microsoft.com/office/powerpoint/2010/main" val="3726393220"/>
+        <p14:creationId xmlns:p14="http://schemas.microsoft.com/office/powerpoint/2010/main" val="3517047752"/>
       </p:ext>
     </p:extLst>
   </p:cSld>
@@ -4865,7 +4833,7 @@
           <p:cNvPr id="2" name="Title 1">
             <a:extLst>
               <a:ext uri="{FF2B5EF4-FFF2-40B4-BE49-F238E27FC236}">
-                <a16:creationId xmlns:a16="http://schemas.microsoft.com/office/drawing/2014/main" id="{7BBA7324-AC8A-4ED9-AB52-682BF8A0CFB4}"/>
+                <a16:creationId xmlns:a16="http://schemas.microsoft.com/office/drawing/2014/main" id="{5B258F90-3B72-49FE-BACC-65E9B753E2D8}"/>
               </a:ext>
             </a:extLst>
           </p:cNvPr>
@@ -4889,7 +4857,7 @@
           <a:lstStyle/>
           <a:p>
             <a:r>
-              <a:rPr lang="en-US" sz="3600">
+              <a:rPr lang="en-US" sz="3600" dirty="0">
                 <a:solidFill>
                   <a:schemeClr val="bg1"/>
                 </a:solidFill>
@@ -4904,7 +4872,7 @@
           <p:cNvPr id="3" name="Content Placeholder 2">
             <a:extLst>
               <a:ext uri="{FF2B5EF4-FFF2-40B4-BE49-F238E27FC236}">
-                <a16:creationId xmlns:a16="http://schemas.microsoft.com/office/drawing/2014/main" id="{75CA5C7A-FC48-4232-8AF7-0B042A12FE92}"/>
+                <a16:creationId xmlns:a16="http://schemas.microsoft.com/office/drawing/2014/main" id="{80588ED6-33AA-4545-BD7E-1F9897A6C6F9}"/>
               </a:ext>
             </a:extLst>
           </p:cNvPr>
@@ -4936,7 +4904,7 @@
                   <a:schemeClr val="bg1"/>
                 </a:solidFill>
               </a:rPr>
-              <a:t>On the top left hand corner again, click on Tools&gt;Board:””&gt;Board Manager:…</a:t>
+              <a:t>Connect the Arduino Pro Micro board to your laptop via a USB cable</a:t>
             </a:r>
           </a:p>
           <a:p>
@@ -4949,39 +4917,48 @@
                   <a:schemeClr val="bg1"/>
                 </a:solidFill>
               </a:rPr>
-              <a:t>In the Board Manager, search for “</a:t>
-            </a:r>
-            <a:r>
-              <a:rPr lang="en-US" sz="1800" dirty="0" err="1">
+              <a:t>Go to Device Manager</a:t>
+            </a:r>
+          </a:p>
+          <a:p>
+            <a:pPr lvl="1">
+              <a:buFont typeface="Wingdings" panose="05000000000000000000" pitchFamily="2" charset="2"/>
+              <a:buChar char="Ø"/>
+            </a:pPr>
+            <a:r>
+              <a:rPr lang="en-US" sz="1400" dirty="0">
                 <a:solidFill>
                   <a:schemeClr val="bg1"/>
                 </a:solidFill>
               </a:rPr>
-              <a:t>Sparkfun</a:t>
-            </a:r>
+              <a:t>Under Ports (COM &amp; LPT)</a:t>
+            </a:r>
+          </a:p>
+          <a:p>
+            <a:pPr lvl="2">
+              <a:buFont typeface="Wingdings" panose="05000000000000000000" pitchFamily="2" charset="2"/>
+              <a:buChar char="Ø"/>
+            </a:pPr>
+            <a:r>
+              <a:rPr lang="en-US" sz="1000" dirty="0">
+                <a:solidFill>
+                  <a:schemeClr val="bg1"/>
+                </a:solidFill>
+              </a:rPr>
+              <a:t>USB Serial Device (COM “”)</a:t>
+            </a:r>
+          </a:p>
+          <a:p>
+            <a:pPr marL="0" indent="0">
+              <a:buNone/>
+            </a:pPr>
             <a:r>
               <a:rPr lang="en-US" sz="1800" dirty="0">
                 <a:solidFill>
                   <a:schemeClr val="bg1"/>
                 </a:solidFill>
               </a:rPr>
-              <a:t>” and install the “</a:t>
-            </a:r>
-            <a:r>
-              <a:rPr lang="en-US" sz="1800" dirty="0" err="1">
-                <a:solidFill>
-                  <a:schemeClr val="bg1"/>
-                </a:solidFill>
-              </a:rPr>
-              <a:t>SparkFun</a:t>
-            </a:r>
-            <a:r>
-              <a:rPr lang="en-US" sz="1800" dirty="0">
-                <a:solidFill>
-                  <a:schemeClr val="bg1"/>
-                </a:solidFill>
-              </a:rPr>
-              <a:t> AVR Boards”</a:t>
+              <a:t>Right-Click on it and select “Update Driver Software…”</a:t>
             </a:r>
           </a:p>
         </p:txBody>
@@ -4991,7 +4968,7 @@
           <p:cNvPr id="5" name="Picture 4">
             <a:extLst>
               <a:ext uri="{FF2B5EF4-FFF2-40B4-BE49-F238E27FC236}">
-                <a16:creationId xmlns:a16="http://schemas.microsoft.com/office/drawing/2014/main" id="{4379D831-FCC5-472D-B931-92A1755F0FFF}"/>
+                <a16:creationId xmlns:a16="http://schemas.microsoft.com/office/drawing/2014/main" id="{72060356-4644-4461-A040-EBD7B5FA5DD0}"/>
               </a:ext>
             </a:extLst>
           </p:cNvPr>
@@ -5008,8 +4985,8 @@
         </p:blipFill>
         <p:spPr>
           <a:xfrm>
-            <a:off x="5551512" y="2"/>
-            <a:ext cx="5239807" cy="3199222"/>
+            <a:off x="4881254" y="1236453"/>
+            <a:ext cx="2708690" cy="4439728"/>
           </a:xfrm>
           <a:prstGeom prst="rect">
             <a:avLst/>
@@ -5021,7 +4998,7 @@
           <p:cNvPr id="6" name="Picture 5">
             <a:extLst>
               <a:ext uri="{FF2B5EF4-FFF2-40B4-BE49-F238E27FC236}">
-                <a16:creationId xmlns:a16="http://schemas.microsoft.com/office/drawing/2014/main" id="{2C3A742E-3E47-4FC6-94E6-B1DF20DF5586}"/>
+                <a16:creationId xmlns:a16="http://schemas.microsoft.com/office/drawing/2014/main" id="{285D4D52-6E64-44DD-8E04-577BBD76353D}"/>
               </a:ext>
             </a:extLst>
           </p:cNvPr>
@@ -5038,8 +5015,8 @@
         </p:blipFill>
         <p:spPr>
           <a:xfrm>
-            <a:off x="5551512" y="2990489"/>
-            <a:ext cx="6158145" cy="3566737"/>
+            <a:off x="8370863" y="1497967"/>
+            <a:ext cx="3326303" cy="4178214"/>
           </a:xfrm>
           <a:prstGeom prst="rect">
             <a:avLst/>
@@ -5049,7 +5026,7 @@
     </p:spTree>
     <p:extLst>
       <p:ext uri="{BB962C8B-B14F-4D97-AF65-F5344CB8AC3E}">
-        <p14:creationId xmlns:p14="http://schemas.microsoft.com/office/powerpoint/2010/main" val="2637347886"/>
+        <p14:creationId xmlns:p14="http://schemas.microsoft.com/office/powerpoint/2010/main" val="2813135787"/>
       </p:ext>
     </p:extLst>
   </p:cSld>
@@ -5137,12 +5114,42 @@
           </a:p>
         </p:txBody>
       </p:sp>
+      <p:pic>
+        <p:nvPicPr>
+          <p:cNvPr id="4" name="Picture 3">
+            <a:extLst>
+              <a:ext uri="{FF2B5EF4-FFF2-40B4-BE49-F238E27FC236}">
+                <a16:creationId xmlns:a16="http://schemas.microsoft.com/office/drawing/2014/main" id="{22A0378C-CC32-4F92-B70A-A72B3A4BA48A}"/>
+              </a:ext>
+            </a:extLst>
+          </p:cNvPr>
+          <p:cNvPicPr>
+            <a:picLocks noChangeAspect="1"/>
+          </p:cNvPicPr>
+          <p:nvPr/>
+        </p:nvPicPr>
+        <p:blipFill rotWithShape="1">
+          <a:blip r:embed="rId2"/>
+          <a:srcRect r="24893" b="1"/>
+          <a:stretch/>
+        </p:blipFill>
+        <p:spPr>
+          <a:xfrm>
+            <a:off x="4636008" y="2"/>
+            <a:ext cx="3628201" cy="3224460"/>
+          </a:xfrm>
+          <a:prstGeom prst="rect">
+            <a:avLst/>
+          </a:prstGeom>
+          <a:effectLst/>
+        </p:spPr>
+      </p:pic>
       <p:sp>
         <p:nvSpPr>
           <p:cNvPr id="2" name="Title 1">
             <a:extLst>
               <a:ext uri="{FF2B5EF4-FFF2-40B4-BE49-F238E27FC236}">
-                <a16:creationId xmlns:a16="http://schemas.microsoft.com/office/drawing/2014/main" id="{E22403C3-3356-4D60-B679-128BDF8E4B93}"/>
+                <a16:creationId xmlns:a16="http://schemas.microsoft.com/office/drawing/2014/main" id="{EB45C345-6DBB-485A-9037-6CF933A82F14}"/>
               </a:ext>
             </a:extLst>
           </p:cNvPr>
@@ -5166,7 +5173,7 @@
           <a:lstStyle/>
           <a:p>
             <a:r>
-              <a:rPr lang="en-US" sz="3600">
+              <a:rPr lang="en-US" sz="3600" dirty="0">
                 <a:solidFill>
                   <a:schemeClr val="bg1"/>
                 </a:solidFill>
@@ -5181,7 +5188,7 @@
           <p:cNvPr id="3" name="Content Placeholder 2">
             <a:extLst>
               <a:ext uri="{FF2B5EF4-FFF2-40B4-BE49-F238E27FC236}">
-                <a16:creationId xmlns:a16="http://schemas.microsoft.com/office/drawing/2014/main" id="{EDEDB045-7A03-4E28-BB3E-EDDD891177AD}"/>
+                <a16:creationId xmlns:a16="http://schemas.microsoft.com/office/drawing/2014/main" id="{FB761985-5D24-4BAA-819F-DFA56143A79D}"/>
               </a:ext>
             </a:extLst>
           </p:cNvPr>
@@ -5213,23 +5220,33 @@
                   <a:schemeClr val="bg1"/>
                 </a:solidFill>
               </a:rPr>
-              <a:t>Once you are done with the installation, return to Tools&gt;Board:”” and you should be able to select </a:t>
-            </a:r>
-            <a:r>
-              <a:rPr lang="en-US" sz="1800" dirty="0" err="1">
+              <a:t>Select “Browse my computer for driver software”</a:t>
+            </a:r>
+          </a:p>
+          <a:p>
+            <a:pPr marL="0" indent="0">
+              <a:buNone/>
+            </a:pPr>
+            <a:r>
+              <a:rPr lang="en-US" sz="1800" dirty="0">
                 <a:solidFill>
                   <a:schemeClr val="bg1"/>
                 </a:solidFill>
               </a:rPr>
-              <a:t>SparkFun</a:t>
-            </a:r>
+              <a:t>Click on “Browse” and navigate to the drivers folder of your Arduino folder</a:t>
+            </a:r>
+          </a:p>
+          <a:p>
+            <a:pPr marL="0" indent="0">
+              <a:buNone/>
+            </a:pPr>
             <a:r>
               <a:rPr lang="en-US" sz="1800" dirty="0">
                 <a:solidFill>
                   <a:schemeClr val="bg1"/>
                 </a:solidFill>
               </a:rPr>
-              <a:t> Pro Micro as your Board</a:t>
+              <a:t>Proceed on with the installation</a:t>
             </a:r>
           </a:p>
           <a:p>
@@ -5242,64 +5259,17 @@
                   <a:schemeClr val="bg1"/>
                 </a:solidFill>
               </a:rPr>
-              <a:t>Under Processor:””, select ATmega32U4 (5V,16 </a:t>
-            </a:r>
-            <a:r>
-              <a:rPr lang="en-US" sz="1800" dirty="0" err="1">
-                <a:solidFill>
-                  <a:schemeClr val="bg1"/>
-                </a:solidFill>
-              </a:rPr>
-              <a:t>Mhz</a:t>
-            </a:r>
-            <a:r>
-              <a:rPr lang="en-US" sz="1800" dirty="0">
-                <a:solidFill>
-                  <a:schemeClr val="bg1"/>
-                </a:solidFill>
-              </a:rPr>
-              <a:t>)</a:t>
-            </a:r>
-          </a:p>
-          <a:p>
-            <a:pPr marL="0" indent="0">
-              <a:buNone/>
-            </a:pPr>
-            <a:r>
-              <a:rPr lang="en-US" sz="1800" dirty="0">
-                <a:solidFill>
-                  <a:schemeClr val="bg1"/>
-                </a:solidFill>
-              </a:rPr>
-              <a:t>Under Port, select the COM port that is recognized as Arduino. </a:t>
-            </a:r>
-            <a:r>
-              <a:rPr lang="en-US" sz="1800" dirty="0">
-                <a:solidFill>
-                  <a:srgbClr val="FF0000"/>
-                </a:solidFill>
-              </a:rPr>
-              <a:t>Note that this can only be done if your Arduino Pro Micro device is physically connected to your laptop via a USB cable</a:t>
-            </a:r>
-          </a:p>
-          <a:p>
-            <a:pPr marL="0" indent="0">
-              <a:buNone/>
-            </a:pPr>
-            <a:endParaRPr lang="en-US" sz="1800" dirty="0">
-              <a:solidFill>
-                <a:schemeClr val="bg1"/>
-              </a:solidFill>
-            </a:endParaRPr>
+              <a:t>Once it is completed, your COM port should be recognized as Arduino in the device Manager</a:t>
+            </a:r>
           </a:p>
         </p:txBody>
       </p:sp>
       <p:pic>
         <p:nvPicPr>
-          <p:cNvPr id="6" name="Picture 5">
-            <a:extLst>
-              <a:ext uri="{FF2B5EF4-FFF2-40B4-BE49-F238E27FC236}">
-                <a16:creationId xmlns:a16="http://schemas.microsoft.com/office/drawing/2014/main" id="{D3F9DB0D-C279-44AB-A9ED-00489F8AEB8C}"/>
+          <p:cNvPr id="5" name="Picture 4">
+            <a:extLst>
+              <a:ext uri="{FF2B5EF4-FFF2-40B4-BE49-F238E27FC236}">
+                <a16:creationId xmlns:a16="http://schemas.microsoft.com/office/drawing/2014/main" id="{A5AC4F66-2B4F-46CC-A9B4-45C62BDDD046}"/>
               </a:ext>
             </a:extLst>
           </p:cNvPr>
@@ -5309,15 +5279,45 @@
           <p:nvPr/>
         </p:nvPicPr>
         <p:blipFill>
-          <a:blip r:embed="rId2"/>
+          <a:blip r:embed="rId3"/>
           <a:stretch>
             <a:fillRect/>
           </a:stretch>
         </p:blipFill>
         <p:spPr>
           <a:xfrm>
-            <a:off x="5141757" y="2"/>
-            <a:ext cx="5221030" cy="6858000"/>
+            <a:off x="8584249" y="2"/>
+            <a:ext cx="3468854" cy="3468854"/>
+          </a:xfrm>
+          <a:prstGeom prst="rect">
+            <a:avLst/>
+          </a:prstGeom>
+        </p:spPr>
+      </p:pic>
+      <p:pic>
+        <p:nvPicPr>
+          <p:cNvPr id="6" name="Picture 5">
+            <a:extLst>
+              <a:ext uri="{FF2B5EF4-FFF2-40B4-BE49-F238E27FC236}">
+                <a16:creationId xmlns:a16="http://schemas.microsoft.com/office/drawing/2014/main" id="{2DBEDB50-9BCF-45CF-AFE4-1F63DB05587D}"/>
+              </a:ext>
+            </a:extLst>
+          </p:cNvPr>
+          <p:cNvPicPr>
+            <a:picLocks noChangeAspect="1"/>
+          </p:cNvPicPr>
+          <p:nvPr/>
+        </p:nvPicPr>
+        <p:blipFill>
+          <a:blip r:embed="rId4"/>
+          <a:stretch>
+            <a:fillRect/>
+          </a:stretch>
+        </p:blipFill>
+        <p:spPr>
+          <a:xfrm>
+            <a:off x="6333250" y="3468856"/>
+            <a:ext cx="4501998" cy="3398282"/>
           </a:xfrm>
           <a:prstGeom prst="rect">
             <a:avLst/>
@@ -5327,7 +5327,7 @@
     </p:spTree>
     <p:extLst>
       <p:ext uri="{BB962C8B-B14F-4D97-AF65-F5344CB8AC3E}">
-        <p14:creationId xmlns:p14="http://schemas.microsoft.com/office/powerpoint/2010/main" val="3517047752"/>
+        <p14:creationId xmlns:p14="http://schemas.microsoft.com/office/powerpoint/2010/main" val="4222154956"/>
       </p:ext>
     </p:extLst>
   </p:cSld>
@@ -5491,7 +5491,7 @@
                   <a:schemeClr val="bg1"/>
                 </a:solidFill>
               </a:rPr>
-              <a:t>After your setup is done, try uploading a blank file by clicking on the upload icon located at the top left hand corner of the window</a:t>
+              <a:t>After completing the setup, try uploading a blank file by clicking on the upload icon located at the top left hand corner of the window</a:t>
             </a:r>
           </a:p>
           <a:p>
